--- a/SQL_개별과제_김민정.pptx
+++ b/SQL_개별과제_김민정.pptx
@@ -110,6 +110,11 @@
       </a:defRPr>
     </a:lvl9pPr>
   </p:defaultTextStyle>
+  <p:extLst>
+    <p:ext uri="{EFAFB233-063F-42B5-8137-9DF3F51BA10A}">
+      <p15:sldGuideLst xmlns:p15="http://schemas.microsoft.com/office/powerpoint/2012/main"/>
+    </p:ext>
+  </p:extLst>
 </p:presentation>
 </file>
 
@@ -3804,14 +3809,6 @@
             </a:pPr>
             <a:r>
               <a:rPr lang="ko-KR" altLang="en-US" dirty="0"/>
-              <a:t>단</a:t>
-            </a:r>
-            <a:r>
-              <a:rPr lang="en-US" altLang="ko-KR" dirty="0"/>
-              <a:t>, </a:t>
-            </a:r>
-            <a:r>
-              <a:rPr lang="ko-KR" altLang="en-US" dirty="0"/>
               <a:t>조교는 </a:t>
             </a:r>
             <a:r>
@@ -3968,7 +3965,7 @@
         <p:spPr>
           <a:xfrm>
             <a:off x="1193800" y="1297974"/>
-            <a:ext cx="9328195" cy="461665"/>
+            <a:ext cx="9943748" cy="461665"/>
           </a:xfrm>
           <a:prstGeom prst="rect">
             <a:avLst/>
@@ -3989,7 +3986,7 @@
                   </a:schemeClr>
                 </a:solidFill>
               </a:rPr>
-              <a:t>새 학기 과목에 대한 교수</a:t>
+              <a:t>새 학기 과목에 대한 담당교수</a:t>
             </a:r>
             <a:r>
               <a:rPr lang="en-US" altLang="ko-KR" sz="2400" b="1" dirty="0">
@@ -5940,12 +5937,53 @@
           </a:p>
         </p:txBody>
       </p:sp>
+      <p:sp>
+        <p:nvSpPr>
+          <p:cNvPr id="6" name="TextBox 5">
+            <a:extLst>
+              <a:ext uri="{FF2B5EF4-FFF2-40B4-BE49-F238E27FC236}">
+                <a16:creationId xmlns:a16="http://schemas.microsoft.com/office/drawing/2014/main" id="{32E14504-86BB-8E27-1358-99C7661504B1}"/>
+              </a:ext>
+            </a:extLst>
+          </p:cNvPr>
+          <p:cNvSpPr txBox="1"/>
+          <p:nvPr/>
+        </p:nvSpPr>
+        <p:spPr>
+          <a:xfrm>
+            <a:off x="463136" y="493166"/>
+            <a:ext cx="2380780" cy="584775"/>
+          </a:xfrm>
+          <a:prstGeom prst="rect">
+            <a:avLst/>
+          </a:prstGeom>
+          <a:noFill/>
+        </p:spPr>
+        <p:txBody>
+          <a:bodyPr wrap="none" rtlCol="0">
+            <a:spAutoFit/>
+          </a:bodyPr>
+          <a:lstStyle/>
+          <a:p>
+            <a:r>
+              <a:rPr lang="ko-KR" altLang="en-US" sz="3200" b="1" dirty="0">
+                <a:solidFill>
+                  <a:schemeClr val="accent1">
+                    <a:lumMod val="50000"/>
+                  </a:schemeClr>
+                </a:solidFill>
+              </a:rPr>
+              <a:t>레코드 추가</a:t>
+            </a:r>
+          </a:p>
+        </p:txBody>
+      </p:sp>
       <p:pic>
         <p:nvPicPr>
-          <p:cNvPr id="15" name="그림 14">
-            <a:extLst>
-              <a:ext uri="{FF2B5EF4-FFF2-40B4-BE49-F238E27FC236}">
-                <a16:creationId xmlns:a16="http://schemas.microsoft.com/office/drawing/2014/main" id="{B8F8FDD3-0238-2739-F09F-17A58AFC0A2E}"/>
+          <p:cNvPr id="7" name="그림 6">
+            <a:extLst>
+              <a:ext uri="{FF2B5EF4-FFF2-40B4-BE49-F238E27FC236}">
+                <a16:creationId xmlns:a16="http://schemas.microsoft.com/office/drawing/2014/main" id="{126CD3D4-DB69-B35E-6F02-6C29134BDF8C}"/>
               </a:ext>
             </a:extLst>
           </p:cNvPr>
@@ -5962,85 +6000,14 @@
         </p:blipFill>
         <p:spPr>
           <a:xfrm>
-            <a:off x="3358133" y="388827"/>
-            <a:ext cx="5944430" cy="4744112"/>
+            <a:off x="3083431" y="376682"/>
+            <a:ext cx="7655593" cy="6104636"/>
           </a:xfrm>
           <a:prstGeom prst="rect">
             <a:avLst/>
           </a:prstGeom>
         </p:spPr>
       </p:pic>
-      <p:pic>
-        <p:nvPicPr>
-          <p:cNvPr id="5" name="그림 4">
-            <a:extLst>
-              <a:ext uri="{FF2B5EF4-FFF2-40B4-BE49-F238E27FC236}">
-                <a16:creationId xmlns:a16="http://schemas.microsoft.com/office/drawing/2014/main" id="{EE0D770A-6D45-64EA-25DB-C9530DF93292}"/>
-              </a:ext>
-            </a:extLst>
-          </p:cNvPr>
-          <p:cNvPicPr>
-            <a:picLocks noChangeAspect="1"/>
-          </p:cNvPicPr>
-          <p:nvPr/>
-        </p:nvPicPr>
-        <p:blipFill>
-          <a:blip r:embed="rId3"/>
-          <a:stretch>
-            <a:fillRect/>
-          </a:stretch>
-        </p:blipFill>
-        <p:spPr>
-          <a:xfrm>
-            <a:off x="3358133" y="5074465"/>
-            <a:ext cx="8059275" cy="1295581"/>
-          </a:xfrm>
-          <a:prstGeom prst="rect">
-            <a:avLst/>
-          </a:prstGeom>
-        </p:spPr>
-      </p:pic>
-      <p:sp>
-        <p:nvSpPr>
-          <p:cNvPr id="6" name="TextBox 5">
-            <a:extLst>
-              <a:ext uri="{FF2B5EF4-FFF2-40B4-BE49-F238E27FC236}">
-                <a16:creationId xmlns:a16="http://schemas.microsoft.com/office/drawing/2014/main" id="{32E14504-86BB-8E27-1358-99C7661504B1}"/>
-              </a:ext>
-            </a:extLst>
-          </p:cNvPr>
-          <p:cNvSpPr txBox="1"/>
-          <p:nvPr/>
-        </p:nvSpPr>
-        <p:spPr>
-          <a:xfrm>
-            <a:off x="463136" y="493166"/>
-            <a:ext cx="2380780" cy="584775"/>
-          </a:xfrm>
-          <a:prstGeom prst="rect">
-            <a:avLst/>
-          </a:prstGeom>
-          <a:noFill/>
-        </p:spPr>
-        <p:txBody>
-          <a:bodyPr wrap="none" rtlCol="0">
-            <a:spAutoFit/>
-          </a:bodyPr>
-          <a:lstStyle/>
-          <a:p>
-            <a:r>
-              <a:rPr lang="ko-KR" altLang="en-US" sz="3200" b="1" dirty="0">
-                <a:solidFill>
-                  <a:schemeClr val="accent1">
-                    <a:lumMod val="50000"/>
-                  </a:schemeClr>
-                </a:solidFill>
-              </a:rPr>
-              <a:t>레코드 추가</a:t>
-            </a:r>
-          </a:p>
-        </p:txBody>
-      </p:sp>
     </p:spTree>
     <p:extLst>
       <p:ext uri="{BB962C8B-B14F-4D97-AF65-F5344CB8AC3E}">

--- a/SQL_개별과제_김민정.pptx
+++ b/SQL_개별과제_김민정.pptx
@@ -10,8 +10,9 @@
     <p:sldId id="259" r:id="rId4"/>
     <p:sldId id="261" r:id="rId5"/>
     <p:sldId id="262" r:id="rId6"/>
-    <p:sldId id="263" r:id="rId7"/>
-    <p:sldId id="257" r:id="rId8"/>
+    <p:sldId id="264" r:id="rId7"/>
+    <p:sldId id="263" r:id="rId8"/>
+    <p:sldId id="257" r:id="rId9"/>
   </p:sldIdLst>
   <p:sldSz cx="12192000" cy="6858000"/>
   <p:notesSz cx="6858000" cy="9144000"/>
@@ -265,7 +266,7 @@
           <a:p>
             <a:fld id="{8385BD76-00F7-4FA3-89E0-176FB5AE5690}" type="datetimeFigureOut">
               <a:rPr lang="ko-KR" altLang="en-US" smtClean="0"/>
-              <a:t>2024-02-27</a:t>
+              <a:t>2024-02-28</a:t>
             </a:fld>
             <a:endParaRPr lang="ko-KR" altLang="en-US"/>
           </a:p>
@@ -463,7 +464,7 @@
           <a:p>
             <a:fld id="{8385BD76-00F7-4FA3-89E0-176FB5AE5690}" type="datetimeFigureOut">
               <a:rPr lang="ko-KR" altLang="en-US" smtClean="0"/>
-              <a:t>2024-02-27</a:t>
+              <a:t>2024-02-28</a:t>
             </a:fld>
             <a:endParaRPr lang="ko-KR" altLang="en-US"/>
           </a:p>
@@ -671,7 +672,7 @@
           <a:p>
             <a:fld id="{8385BD76-00F7-4FA3-89E0-176FB5AE5690}" type="datetimeFigureOut">
               <a:rPr lang="ko-KR" altLang="en-US" smtClean="0"/>
-              <a:t>2024-02-27</a:t>
+              <a:t>2024-02-28</a:t>
             </a:fld>
             <a:endParaRPr lang="ko-KR" altLang="en-US"/>
           </a:p>
@@ -869,7 +870,7 @@
           <a:p>
             <a:fld id="{8385BD76-00F7-4FA3-89E0-176FB5AE5690}" type="datetimeFigureOut">
               <a:rPr lang="ko-KR" altLang="en-US" smtClean="0"/>
-              <a:t>2024-02-27</a:t>
+              <a:t>2024-02-28</a:t>
             </a:fld>
             <a:endParaRPr lang="ko-KR" altLang="en-US"/>
           </a:p>
@@ -1144,7 +1145,7 @@
           <a:p>
             <a:fld id="{8385BD76-00F7-4FA3-89E0-176FB5AE5690}" type="datetimeFigureOut">
               <a:rPr lang="ko-KR" altLang="en-US" smtClean="0"/>
-              <a:t>2024-02-27</a:t>
+              <a:t>2024-02-28</a:t>
             </a:fld>
             <a:endParaRPr lang="ko-KR" altLang="en-US"/>
           </a:p>
@@ -1409,7 +1410,7 @@
           <a:p>
             <a:fld id="{8385BD76-00F7-4FA3-89E0-176FB5AE5690}" type="datetimeFigureOut">
               <a:rPr lang="ko-KR" altLang="en-US" smtClean="0"/>
-              <a:t>2024-02-27</a:t>
+              <a:t>2024-02-28</a:t>
             </a:fld>
             <a:endParaRPr lang="ko-KR" altLang="en-US"/>
           </a:p>
@@ -1821,7 +1822,7 @@
           <a:p>
             <a:fld id="{8385BD76-00F7-4FA3-89E0-176FB5AE5690}" type="datetimeFigureOut">
               <a:rPr lang="ko-KR" altLang="en-US" smtClean="0"/>
-              <a:t>2024-02-27</a:t>
+              <a:t>2024-02-28</a:t>
             </a:fld>
             <a:endParaRPr lang="ko-KR" altLang="en-US"/>
           </a:p>
@@ -1962,7 +1963,7 @@
           <a:p>
             <a:fld id="{8385BD76-00F7-4FA3-89E0-176FB5AE5690}" type="datetimeFigureOut">
               <a:rPr lang="ko-KR" altLang="en-US" smtClean="0"/>
-              <a:t>2024-02-27</a:t>
+              <a:t>2024-02-28</a:t>
             </a:fld>
             <a:endParaRPr lang="ko-KR" altLang="en-US"/>
           </a:p>
@@ -2075,7 +2076,7 @@
           <a:p>
             <a:fld id="{8385BD76-00F7-4FA3-89E0-176FB5AE5690}" type="datetimeFigureOut">
               <a:rPr lang="ko-KR" altLang="en-US" smtClean="0"/>
-              <a:t>2024-02-27</a:t>
+              <a:t>2024-02-28</a:t>
             </a:fld>
             <a:endParaRPr lang="ko-KR" altLang="en-US"/>
           </a:p>
@@ -2386,7 +2387,7 @@
           <a:p>
             <a:fld id="{8385BD76-00F7-4FA3-89E0-176FB5AE5690}" type="datetimeFigureOut">
               <a:rPr lang="ko-KR" altLang="en-US" smtClean="0"/>
-              <a:t>2024-02-27</a:t>
+              <a:t>2024-02-28</a:t>
             </a:fld>
             <a:endParaRPr lang="ko-KR" altLang="en-US"/>
           </a:p>
@@ -2674,7 +2675,7 @@
           <a:p>
             <a:fld id="{8385BD76-00F7-4FA3-89E0-176FB5AE5690}" type="datetimeFigureOut">
               <a:rPr lang="ko-KR" altLang="en-US" smtClean="0"/>
-              <a:t>2024-02-27</a:t>
+              <a:t>2024-02-28</a:t>
             </a:fld>
             <a:endParaRPr lang="ko-KR" altLang="en-US"/>
           </a:p>
@@ -2922,7 +2923,7 @@
           <a:p>
             <a:fld id="{8385BD76-00F7-4FA3-89E0-176FB5AE5690}" type="datetimeFigureOut">
               <a:rPr lang="ko-KR" altLang="en-US" smtClean="0"/>
-              <a:t>2024-02-27</a:t>
+              <a:t>2024-02-28</a:t>
             </a:fld>
             <a:endParaRPr lang="ko-KR" altLang="en-US"/>
           </a:p>
@@ -5548,66 +5549,6 @@
           <a:chExt cx="0" cy="0"/>
         </a:xfrm>
       </p:grpSpPr>
-      <p:pic>
-        <p:nvPicPr>
-          <p:cNvPr id="5" name="그림 4">
-            <a:extLst>
-              <a:ext uri="{FF2B5EF4-FFF2-40B4-BE49-F238E27FC236}">
-                <a16:creationId xmlns:a16="http://schemas.microsoft.com/office/drawing/2014/main" id="{FCD46B45-02B9-D9F1-3209-95E77E8A8269}"/>
-              </a:ext>
-            </a:extLst>
-          </p:cNvPr>
-          <p:cNvPicPr>
-            <a:picLocks noChangeAspect="1"/>
-          </p:cNvPicPr>
-          <p:nvPr/>
-        </p:nvPicPr>
-        <p:blipFill>
-          <a:blip r:embed="rId2"/>
-          <a:stretch>
-            <a:fillRect/>
-          </a:stretch>
-        </p:blipFill>
-        <p:spPr>
-          <a:xfrm>
-            <a:off x="496966" y="1566601"/>
-            <a:ext cx="5363323" cy="3724795"/>
-          </a:xfrm>
-          <a:prstGeom prst="rect">
-            <a:avLst/>
-          </a:prstGeom>
-        </p:spPr>
-      </p:pic>
-      <p:pic>
-        <p:nvPicPr>
-          <p:cNvPr id="9" name="그림 8">
-            <a:extLst>
-              <a:ext uri="{FF2B5EF4-FFF2-40B4-BE49-F238E27FC236}">
-                <a16:creationId xmlns:a16="http://schemas.microsoft.com/office/drawing/2014/main" id="{0A570AE5-EA9A-58B6-C817-75E4A8D68CC1}"/>
-              </a:ext>
-            </a:extLst>
-          </p:cNvPr>
-          <p:cNvPicPr>
-            <a:picLocks noChangeAspect="1"/>
-          </p:cNvPicPr>
-          <p:nvPr/>
-        </p:nvPicPr>
-        <p:blipFill>
-          <a:blip r:embed="rId3"/>
-          <a:stretch>
-            <a:fillRect/>
-          </a:stretch>
-        </p:blipFill>
-        <p:spPr>
-          <a:xfrm>
-            <a:off x="6005432" y="675889"/>
-            <a:ext cx="5506218" cy="4124901"/>
-          </a:xfrm>
-          <a:prstGeom prst="rect">
-            <a:avLst/>
-          </a:prstGeom>
-        </p:spPr>
-      </p:pic>
       <p:sp>
         <p:nvSpPr>
           <p:cNvPr id="10" name="직사각형 9">
@@ -5737,14 +5678,14 @@
           <p:nvPr/>
         </p:nvPicPr>
         <p:blipFill>
-          <a:blip r:embed="rId4"/>
+          <a:blip r:embed="rId2"/>
           <a:stretch>
             <a:fillRect/>
           </a:stretch>
         </p:blipFill>
         <p:spPr>
           <a:xfrm>
-            <a:off x="6055402" y="4956920"/>
+            <a:off x="6895373" y="5185281"/>
             <a:ext cx="3743847" cy="981212"/>
           </a:xfrm>
           <a:prstGeom prst="rect">
@@ -5793,6 +5734,36 @@
           </a:p>
         </p:txBody>
       </p:sp>
+      <p:pic>
+        <p:nvPicPr>
+          <p:cNvPr id="3" name="그림 2">
+            <a:extLst>
+              <a:ext uri="{FF2B5EF4-FFF2-40B4-BE49-F238E27FC236}">
+                <a16:creationId xmlns:a16="http://schemas.microsoft.com/office/drawing/2014/main" id="{A742448C-ADF3-1699-38CB-8E4C81439BD5}"/>
+              </a:ext>
+            </a:extLst>
+          </p:cNvPr>
+          <p:cNvPicPr>
+            <a:picLocks noChangeAspect="1"/>
+          </p:cNvPicPr>
+          <p:nvPr/>
+        </p:nvPicPr>
+        <p:blipFill>
+          <a:blip r:embed="rId3"/>
+          <a:stretch>
+            <a:fillRect/>
+          </a:stretch>
+        </p:blipFill>
+        <p:spPr>
+          <a:xfrm>
+            <a:off x="2843916" y="429692"/>
+            <a:ext cx="3956561" cy="5831807"/>
+          </a:xfrm>
+          <a:prstGeom prst="rect">
+            <a:avLst/>
+          </a:prstGeom>
+        </p:spPr>
+      </p:pic>
     </p:spTree>
     <p:extLst>
       <p:ext uri="{BB962C8B-B14F-4D97-AF65-F5344CB8AC3E}">
@@ -5980,10 +5951,10 @@
       </p:sp>
       <p:pic>
         <p:nvPicPr>
-          <p:cNvPr id="7" name="그림 6">
-            <a:extLst>
-              <a:ext uri="{FF2B5EF4-FFF2-40B4-BE49-F238E27FC236}">
-                <a16:creationId xmlns:a16="http://schemas.microsoft.com/office/drawing/2014/main" id="{126CD3D4-DB69-B35E-6F02-6C29134BDF8C}"/>
+          <p:cNvPr id="9" name="그림 8">
+            <a:extLst>
+              <a:ext uri="{FF2B5EF4-FFF2-40B4-BE49-F238E27FC236}">
+                <a16:creationId xmlns:a16="http://schemas.microsoft.com/office/drawing/2014/main" id="{6FB0A318-432B-B962-EC86-03ABE29C30B4}"/>
               </a:ext>
             </a:extLst>
           </p:cNvPr>
@@ -6000,8 +5971,8 @@
         </p:blipFill>
         <p:spPr>
           <a:xfrm>
-            <a:off x="3083431" y="376682"/>
-            <a:ext cx="7655593" cy="6104636"/>
+            <a:off x="3082096" y="493166"/>
+            <a:ext cx="6027805" cy="5784112"/>
           </a:xfrm>
           <a:prstGeom prst="rect">
             <a:avLst/>
@@ -6022,6 +5993,503 @@
 </file>
 
 <file path=ppt/slides/slide6.xml><?xml version="1.0" encoding="utf-8"?>
+<p:sld xmlns:a="http://schemas.openxmlformats.org/drawingml/2006/main" xmlns:r="http://schemas.openxmlformats.org/officeDocument/2006/relationships" xmlns:p="http://schemas.openxmlformats.org/presentationml/2006/main">
+  <p:cSld>
+    <p:spTree>
+      <p:nvGrpSpPr>
+        <p:cNvPr id="1" name=""/>
+        <p:cNvGrpSpPr/>
+        <p:nvPr/>
+      </p:nvGrpSpPr>
+      <p:grpSpPr>
+        <a:xfrm>
+          <a:off x="0" y="0"/>
+          <a:ext cx="0" cy="0"/>
+          <a:chOff x="0" y="0"/>
+          <a:chExt cx="0" cy="0"/>
+        </a:xfrm>
+      </p:grpSpPr>
+      <p:pic>
+        <p:nvPicPr>
+          <p:cNvPr id="5" name="그림 4">
+            <a:extLst>
+              <a:ext uri="{FF2B5EF4-FFF2-40B4-BE49-F238E27FC236}">
+                <a16:creationId xmlns:a16="http://schemas.microsoft.com/office/drawing/2014/main" id="{5DD16B25-533C-3350-B2E4-B403A8C24BEB}"/>
+              </a:ext>
+            </a:extLst>
+          </p:cNvPr>
+          <p:cNvPicPr>
+            <a:picLocks noChangeAspect="1"/>
+          </p:cNvPicPr>
+          <p:nvPr/>
+        </p:nvPicPr>
+        <p:blipFill>
+          <a:blip r:embed="rId2"/>
+          <a:stretch>
+            <a:fillRect/>
+          </a:stretch>
+        </p:blipFill>
+        <p:spPr>
+          <a:xfrm>
+            <a:off x="1697758" y="2138618"/>
+            <a:ext cx="3610479" cy="1143160"/>
+          </a:xfrm>
+          <a:prstGeom prst="rect">
+            <a:avLst/>
+          </a:prstGeom>
+        </p:spPr>
+      </p:pic>
+      <p:pic>
+        <p:nvPicPr>
+          <p:cNvPr id="7" name="그림 6">
+            <a:extLst>
+              <a:ext uri="{FF2B5EF4-FFF2-40B4-BE49-F238E27FC236}">
+                <a16:creationId xmlns:a16="http://schemas.microsoft.com/office/drawing/2014/main" id="{5BE72918-0DE4-D879-B100-FB0D93D77468}"/>
+              </a:ext>
+            </a:extLst>
+          </p:cNvPr>
+          <p:cNvPicPr>
+            <a:picLocks noChangeAspect="1"/>
+          </p:cNvPicPr>
+          <p:nvPr/>
+        </p:nvPicPr>
+        <p:blipFill>
+          <a:blip r:embed="rId3"/>
+          <a:stretch>
+            <a:fillRect/>
+          </a:stretch>
+        </p:blipFill>
+        <p:spPr>
+          <a:xfrm>
+            <a:off x="1697758" y="4050813"/>
+            <a:ext cx="2943636" cy="1352739"/>
+          </a:xfrm>
+          <a:prstGeom prst="rect">
+            <a:avLst/>
+          </a:prstGeom>
+        </p:spPr>
+      </p:pic>
+      <p:pic>
+        <p:nvPicPr>
+          <p:cNvPr id="9" name="그림 8">
+            <a:extLst>
+              <a:ext uri="{FF2B5EF4-FFF2-40B4-BE49-F238E27FC236}">
+                <a16:creationId xmlns:a16="http://schemas.microsoft.com/office/drawing/2014/main" id="{F073570C-2317-D5B8-0090-041DC81FC94A}"/>
+              </a:ext>
+            </a:extLst>
+          </p:cNvPr>
+          <p:cNvPicPr>
+            <a:picLocks noChangeAspect="1"/>
+          </p:cNvPicPr>
+          <p:nvPr/>
+        </p:nvPicPr>
+        <p:blipFill>
+          <a:blip r:embed="rId4"/>
+          <a:stretch>
+            <a:fillRect/>
+          </a:stretch>
+        </p:blipFill>
+        <p:spPr>
+          <a:xfrm>
+            <a:off x="6069712" y="2110039"/>
+            <a:ext cx="4563112" cy="1171739"/>
+          </a:xfrm>
+          <a:prstGeom prst="rect">
+            <a:avLst/>
+          </a:prstGeom>
+        </p:spPr>
+      </p:pic>
+      <p:pic>
+        <p:nvPicPr>
+          <p:cNvPr id="11" name="그림 10">
+            <a:extLst>
+              <a:ext uri="{FF2B5EF4-FFF2-40B4-BE49-F238E27FC236}">
+                <a16:creationId xmlns:a16="http://schemas.microsoft.com/office/drawing/2014/main" id="{5D0135A2-067F-BDE4-C4B3-17CE0403A8EF}"/>
+              </a:ext>
+            </a:extLst>
+          </p:cNvPr>
+          <p:cNvPicPr>
+            <a:picLocks noChangeAspect="1"/>
+          </p:cNvPicPr>
+          <p:nvPr/>
+        </p:nvPicPr>
+        <p:blipFill>
+          <a:blip r:embed="rId5"/>
+          <a:stretch>
+            <a:fillRect/>
+          </a:stretch>
+        </p:blipFill>
+        <p:spPr>
+          <a:xfrm>
+            <a:off x="6096000" y="4037142"/>
+            <a:ext cx="2781688" cy="1362265"/>
+          </a:xfrm>
+          <a:prstGeom prst="rect">
+            <a:avLst/>
+          </a:prstGeom>
+        </p:spPr>
+      </p:pic>
+      <p:sp>
+        <p:nvSpPr>
+          <p:cNvPr id="12" name="직사각형 11">
+            <a:extLst>
+              <a:ext uri="{FF2B5EF4-FFF2-40B4-BE49-F238E27FC236}">
+                <a16:creationId xmlns:a16="http://schemas.microsoft.com/office/drawing/2014/main" id="{5C628BCA-765F-32D5-6294-CD50BC936D06}"/>
+              </a:ext>
+            </a:extLst>
+          </p:cNvPr>
+          <p:cNvSpPr/>
+          <p:nvPr/>
+        </p:nvSpPr>
+        <p:spPr>
+          <a:xfrm>
+            <a:off x="324592" y="190006"/>
+            <a:ext cx="11542815" cy="83127"/>
+          </a:xfrm>
+          <a:prstGeom prst="rect">
+            <a:avLst/>
+          </a:prstGeom>
+          <a:solidFill>
+            <a:schemeClr val="accent1">
+              <a:lumMod val="40000"/>
+              <a:lumOff val="60000"/>
+            </a:schemeClr>
+          </a:solidFill>
+          <a:ln>
+            <a:noFill/>
+          </a:ln>
+        </p:spPr>
+        <p:style>
+          <a:lnRef idx="2">
+            <a:schemeClr val="accent1">
+              <a:shade val="15000"/>
+            </a:schemeClr>
+          </a:lnRef>
+          <a:fillRef idx="1">
+            <a:schemeClr val="accent1"/>
+          </a:fillRef>
+          <a:effectRef idx="0">
+            <a:schemeClr val="accent1"/>
+          </a:effectRef>
+          <a:fontRef idx="minor">
+            <a:schemeClr val="lt1"/>
+          </a:fontRef>
+        </p:style>
+        <p:txBody>
+          <a:bodyPr rtlCol="0" anchor="ctr"/>
+          <a:lstStyle/>
+          <a:p>
+            <a:pPr algn="ctr"/>
+            <a:endParaRPr lang="ko-KR" altLang="en-US">
+              <a:noFill/>
+            </a:endParaRPr>
+          </a:p>
+        </p:txBody>
+      </p:sp>
+      <p:sp>
+        <p:nvSpPr>
+          <p:cNvPr id="13" name="직사각형 12">
+            <a:extLst>
+              <a:ext uri="{FF2B5EF4-FFF2-40B4-BE49-F238E27FC236}">
+                <a16:creationId xmlns:a16="http://schemas.microsoft.com/office/drawing/2014/main" id="{7820FA04-4BA9-01A9-538D-D016D35E9D39}"/>
+              </a:ext>
+            </a:extLst>
+          </p:cNvPr>
+          <p:cNvSpPr/>
+          <p:nvPr/>
+        </p:nvSpPr>
+        <p:spPr>
+          <a:xfrm>
+            <a:off x="324592" y="6584867"/>
+            <a:ext cx="11542815" cy="83127"/>
+          </a:xfrm>
+          <a:prstGeom prst="rect">
+            <a:avLst/>
+          </a:prstGeom>
+          <a:solidFill>
+            <a:schemeClr val="accent1">
+              <a:lumMod val="40000"/>
+              <a:lumOff val="60000"/>
+            </a:schemeClr>
+          </a:solidFill>
+          <a:ln>
+            <a:noFill/>
+          </a:ln>
+        </p:spPr>
+        <p:style>
+          <a:lnRef idx="2">
+            <a:schemeClr val="accent1">
+              <a:shade val="15000"/>
+            </a:schemeClr>
+          </a:lnRef>
+          <a:fillRef idx="1">
+            <a:schemeClr val="accent1"/>
+          </a:fillRef>
+          <a:effectRef idx="0">
+            <a:schemeClr val="accent1"/>
+          </a:effectRef>
+          <a:fontRef idx="minor">
+            <a:schemeClr val="lt1"/>
+          </a:fontRef>
+        </p:style>
+        <p:txBody>
+          <a:bodyPr rtlCol="0" anchor="ctr"/>
+          <a:lstStyle/>
+          <a:p>
+            <a:pPr algn="ctr"/>
+            <a:endParaRPr lang="ko-KR" altLang="en-US">
+              <a:noFill/>
+            </a:endParaRPr>
+          </a:p>
+        </p:txBody>
+      </p:sp>
+      <p:sp>
+        <p:nvSpPr>
+          <p:cNvPr id="14" name="TextBox 13">
+            <a:extLst>
+              <a:ext uri="{FF2B5EF4-FFF2-40B4-BE49-F238E27FC236}">
+                <a16:creationId xmlns:a16="http://schemas.microsoft.com/office/drawing/2014/main" id="{4A17ABC0-B05B-7F79-485A-24544147777D}"/>
+              </a:ext>
+            </a:extLst>
+          </p:cNvPr>
+          <p:cNvSpPr txBox="1"/>
+          <p:nvPr/>
+        </p:nvSpPr>
+        <p:spPr>
+          <a:xfrm>
+            <a:off x="463136" y="493166"/>
+            <a:ext cx="2380780" cy="584775"/>
+          </a:xfrm>
+          <a:prstGeom prst="rect">
+            <a:avLst/>
+          </a:prstGeom>
+          <a:noFill/>
+        </p:spPr>
+        <p:txBody>
+          <a:bodyPr wrap="none" rtlCol="0">
+            <a:spAutoFit/>
+          </a:bodyPr>
+          <a:lstStyle/>
+          <a:p>
+            <a:r>
+              <a:rPr lang="ko-KR" altLang="en-US" sz="3200" b="1" dirty="0">
+                <a:solidFill>
+                  <a:schemeClr val="accent1">
+                    <a:lumMod val="50000"/>
+                  </a:schemeClr>
+                </a:solidFill>
+              </a:rPr>
+              <a:t>테이블 출력</a:t>
+            </a:r>
+          </a:p>
+        </p:txBody>
+      </p:sp>
+      <p:sp>
+        <p:nvSpPr>
+          <p:cNvPr id="15" name="TextBox 14">
+            <a:extLst>
+              <a:ext uri="{FF2B5EF4-FFF2-40B4-BE49-F238E27FC236}">
+                <a16:creationId xmlns:a16="http://schemas.microsoft.com/office/drawing/2014/main" id="{61B93F09-6B48-39C2-7F8A-8623356E26CD}"/>
+              </a:ext>
+            </a:extLst>
+          </p:cNvPr>
+          <p:cNvSpPr txBox="1"/>
+          <p:nvPr/>
+        </p:nvSpPr>
+        <p:spPr>
+          <a:xfrm>
+            <a:off x="1746262" y="1635005"/>
+            <a:ext cx="1333314" cy="400110"/>
+          </a:xfrm>
+          <a:prstGeom prst="rect">
+            <a:avLst/>
+          </a:prstGeom>
+          <a:noFill/>
+        </p:spPr>
+        <p:txBody>
+          <a:bodyPr wrap="none" rtlCol="0">
+            <a:spAutoFit/>
+          </a:bodyPr>
+          <a:lstStyle/>
+          <a:p>
+            <a:r>
+              <a:rPr lang="en-US" altLang="ko-KR" sz="2000" b="1" dirty="0">
+                <a:solidFill>
+                  <a:schemeClr val="accent1">
+                    <a:lumMod val="50000"/>
+                  </a:schemeClr>
+                </a:solidFill>
+              </a:rPr>
+              <a:t>Professor</a:t>
+            </a:r>
+            <a:endParaRPr lang="ko-KR" altLang="en-US" sz="2000" b="1" dirty="0">
+              <a:solidFill>
+                <a:schemeClr val="accent1">
+                  <a:lumMod val="50000"/>
+                </a:schemeClr>
+              </a:solidFill>
+            </a:endParaRPr>
+          </a:p>
+        </p:txBody>
+      </p:sp>
+      <p:sp>
+        <p:nvSpPr>
+          <p:cNvPr id="16" name="TextBox 15">
+            <a:extLst>
+              <a:ext uri="{FF2B5EF4-FFF2-40B4-BE49-F238E27FC236}">
+                <a16:creationId xmlns:a16="http://schemas.microsoft.com/office/drawing/2014/main" id="{E0B056C7-BE58-D3DA-33A4-AAC480AC1689}"/>
+              </a:ext>
+            </a:extLst>
+          </p:cNvPr>
+          <p:cNvSpPr txBox="1"/>
+          <p:nvPr/>
+        </p:nvSpPr>
+        <p:spPr>
+          <a:xfrm>
+            <a:off x="1770619" y="3549130"/>
+            <a:ext cx="2320315" cy="400110"/>
+          </a:xfrm>
+          <a:prstGeom prst="rect">
+            <a:avLst/>
+          </a:prstGeom>
+          <a:noFill/>
+        </p:spPr>
+        <p:txBody>
+          <a:bodyPr wrap="none" rtlCol="0">
+            <a:spAutoFit/>
+          </a:bodyPr>
+          <a:lstStyle/>
+          <a:p>
+            <a:r>
+              <a:rPr lang="en-US" altLang="ko-KR" sz="2000" b="1" dirty="0">
+                <a:solidFill>
+                  <a:schemeClr val="accent1">
+                    <a:lumMod val="50000"/>
+                  </a:schemeClr>
+                </a:solidFill>
+              </a:rPr>
+              <a:t>Graduate student</a:t>
+            </a:r>
+            <a:endParaRPr lang="ko-KR" altLang="en-US" sz="2000" b="1" dirty="0">
+              <a:solidFill>
+                <a:schemeClr val="accent1">
+                  <a:lumMod val="50000"/>
+                </a:schemeClr>
+              </a:solidFill>
+            </a:endParaRPr>
+          </a:p>
+        </p:txBody>
+      </p:sp>
+      <p:sp>
+        <p:nvSpPr>
+          <p:cNvPr id="17" name="TextBox 16">
+            <a:extLst>
+              <a:ext uri="{FF2B5EF4-FFF2-40B4-BE49-F238E27FC236}">
+                <a16:creationId xmlns:a16="http://schemas.microsoft.com/office/drawing/2014/main" id="{5723200F-521D-D0E9-7C0F-FB9EF70084E7}"/>
+              </a:ext>
+            </a:extLst>
+          </p:cNvPr>
+          <p:cNvSpPr txBox="1"/>
+          <p:nvPr/>
+        </p:nvSpPr>
+        <p:spPr>
+          <a:xfrm>
+            <a:off x="6096000" y="1635005"/>
+            <a:ext cx="1082348" cy="400110"/>
+          </a:xfrm>
+          <a:prstGeom prst="rect">
+            <a:avLst/>
+          </a:prstGeom>
+          <a:noFill/>
+        </p:spPr>
+        <p:txBody>
+          <a:bodyPr wrap="none" rtlCol="0">
+            <a:spAutoFit/>
+          </a:bodyPr>
+          <a:lstStyle/>
+          <a:p>
+            <a:r>
+              <a:rPr lang="en-US" altLang="ko-KR" sz="2000" b="1" dirty="0">
+                <a:solidFill>
+                  <a:schemeClr val="accent1">
+                    <a:lumMod val="50000"/>
+                  </a:schemeClr>
+                </a:solidFill>
+              </a:rPr>
+              <a:t>Subject</a:t>
+            </a:r>
+            <a:endParaRPr lang="ko-KR" altLang="en-US" sz="2000" b="1" dirty="0">
+              <a:solidFill>
+                <a:schemeClr val="accent1">
+                  <a:lumMod val="50000"/>
+                </a:schemeClr>
+              </a:solidFill>
+            </a:endParaRPr>
+          </a:p>
+        </p:txBody>
+      </p:sp>
+      <p:sp>
+        <p:nvSpPr>
+          <p:cNvPr id="18" name="TextBox 17">
+            <a:extLst>
+              <a:ext uri="{FF2B5EF4-FFF2-40B4-BE49-F238E27FC236}">
+                <a16:creationId xmlns:a16="http://schemas.microsoft.com/office/drawing/2014/main" id="{0D499BCA-73C4-E2FB-DD01-339F2708F8F6}"/>
+              </a:ext>
+            </a:extLst>
+          </p:cNvPr>
+          <p:cNvSpPr txBox="1"/>
+          <p:nvPr/>
+        </p:nvSpPr>
+        <p:spPr>
+          <a:xfrm>
+            <a:off x="6068732" y="3549130"/>
+            <a:ext cx="1131335" cy="400110"/>
+          </a:xfrm>
+          <a:prstGeom prst="rect">
+            <a:avLst/>
+          </a:prstGeom>
+          <a:noFill/>
+        </p:spPr>
+        <p:txBody>
+          <a:bodyPr wrap="none" rtlCol="0">
+            <a:spAutoFit/>
+          </a:bodyPr>
+          <a:lstStyle/>
+          <a:p>
+            <a:r>
+              <a:rPr lang="en-US" altLang="ko-KR" sz="2000" b="1" dirty="0">
+                <a:solidFill>
+                  <a:schemeClr val="accent1">
+                    <a:lumMod val="50000"/>
+                  </a:schemeClr>
+                </a:solidFill>
+              </a:rPr>
+              <a:t>Student</a:t>
+            </a:r>
+            <a:endParaRPr lang="ko-KR" altLang="en-US" sz="2000" b="1" dirty="0">
+              <a:solidFill>
+                <a:schemeClr val="accent1">
+                  <a:lumMod val="50000"/>
+                </a:schemeClr>
+              </a:solidFill>
+            </a:endParaRPr>
+          </a:p>
+        </p:txBody>
+      </p:sp>
+    </p:spTree>
+    <p:extLst>
+      <p:ext uri="{BB962C8B-B14F-4D97-AF65-F5344CB8AC3E}">
+        <p14:creationId xmlns:p14="http://schemas.microsoft.com/office/powerpoint/2010/main" val="1484706098"/>
+      </p:ext>
+    </p:extLst>
+  </p:cSld>
+  <p:clrMapOvr>
+    <a:masterClrMapping/>
+  </p:clrMapOvr>
+</p:sld>
+</file>
+
+<file path=ppt/slides/slide7.xml><?xml version="1.0" encoding="utf-8"?>
 <p:sld xmlns:a="http://schemas.openxmlformats.org/drawingml/2006/main" xmlns:r="http://schemas.openxmlformats.org/officeDocument/2006/relationships" xmlns:p="http://schemas.openxmlformats.org/presentationml/2006/main">
   <p:cSld>
     <p:spTree>
@@ -6158,12 +6626,101 @@
           </a:p>
         </p:txBody>
       </p:sp>
+      <p:sp>
+        <p:nvSpPr>
+          <p:cNvPr id="9" name="TextBox 8">
+            <a:extLst>
+              <a:ext uri="{FF2B5EF4-FFF2-40B4-BE49-F238E27FC236}">
+                <a16:creationId xmlns:a16="http://schemas.microsoft.com/office/drawing/2014/main" id="{3559D81A-7E01-E712-3402-71536701EBBC}"/>
+              </a:ext>
+            </a:extLst>
+          </p:cNvPr>
+          <p:cNvSpPr txBox="1"/>
+          <p:nvPr/>
+        </p:nvSpPr>
+        <p:spPr>
+          <a:xfrm>
+            <a:off x="463136" y="493166"/>
+            <a:ext cx="1415772" cy="584775"/>
+          </a:xfrm>
+          <a:prstGeom prst="rect">
+            <a:avLst/>
+          </a:prstGeom>
+          <a:noFill/>
+        </p:spPr>
+        <p:txBody>
+          <a:bodyPr wrap="none" rtlCol="0">
+            <a:spAutoFit/>
+          </a:bodyPr>
+          <a:lstStyle/>
+          <a:p>
+            <a:r>
+              <a:rPr lang="ko-KR" altLang="en-US" sz="3200" b="1" dirty="0" err="1">
+                <a:solidFill>
+                  <a:schemeClr val="accent1">
+                    <a:lumMod val="50000"/>
+                  </a:schemeClr>
+                </a:solidFill>
+              </a:rPr>
+              <a:t>실행문</a:t>
+            </a:r>
+            <a:endParaRPr lang="ko-KR" altLang="en-US" sz="3200" b="1" dirty="0">
+              <a:solidFill>
+                <a:schemeClr val="accent1">
+                  <a:lumMod val="50000"/>
+                </a:schemeClr>
+              </a:solidFill>
+            </a:endParaRPr>
+          </a:p>
+        </p:txBody>
+      </p:sp>
+      <p:sp>
+        <p:nvSpPr>
+          <p:cNvPr id="10" name="TextBox 9">
+            <a:extLst>
+              <a:ext uri="{FF2B5EF4-FFF2-40B4-BE49-F238E27FC236}">
+                <a16:creationId xmlns:a16="http://schemas.microsoft.com/office/drawing/2014/main" id="{2AD57C00-BAD9-0744-52FD-641C7FD4B00E}"/>
+              </a:ext>
+            </a:extLst>
+          </p:cNvPr>
+          <p:cNvSpPr txBox="1"/>
+          <p:nvPr/>
+        </p:nvSpPr>
+        <p:spPr>
+          <a:xfrm>
+            <a:off x="505868" y="4821402"/>
+            <a:ext cx="1005403" cy="584775"/>
+          </a:xfrm>
+          <a:prstGeom prst="rect">
+            <a:avLst/>
+          </a:prstGeom>
+          <a:noFill/>
+        </p:spPr>
+        <p:txBody>
+          <a:bodyPr wrap="none" rtlCol="0">
+            <a:spAutoFit/>
+          </a:bodyPr>
+          <a:lstStyle/>
+          <a:p>
+            <a:r>
+              <a:rPr lang="ko-KR" altLang="en-US" sz="3200" b="1" dirty="0">
+                <a:solidFill>
+                  <a:schemeClr val="accent1">
+                    <a:lumMod val="50000"/>
+                  </a:schemeClr>
+                </a:solidFill>
+              </a:rPr>
+              <a:t>결과</a:t>
+            </a:r>
+          </a:p>
+        </p:txBody>
+      </p:sp>
       <p:pic>
         <p:nvPicPr>
-          <p:cNvPr id="7" name="그림 6">
-            <a:extLst>
-              <a:ext uri="{FF2B5EF4-FFF2-40B4-BE49-F238E27FC236}">
-                <a16:creationId xmlns:a16="http://schemas.microsoft.com/office/drawing/2014/main" id="{D54A2532-4957-9387-4CFE-C06C0EF7A5FF}"/>
+          <p:cNvPr id="5" name="그림 4">
+            <a:extLst>
+              <a:ext uri="{FF2B5EF4-FFF2-40B4-BE49-F238E27FC236}">
+                <a16:creationId xmlns:a16="http://schemas.microsoft.com/office/drawing/2014/main" id="{68D93A55-B6D3-DFC7-41DF-675905542386}"/>
               </a:ext>
             </a:extLst>
           </p:cNvPr>
@@ -6180,8 +6737,8 @@
         </p:blipFill>
         <p:spPr>
           <a:xfrm>
-            <a:off x="1213754" y="1077941"/>
-            <a:ext cx="9764488" cy="3734321"/>
+            <a:off x="2044850" y="897814"/>
+            <a:ext cx="8421275" cy="3734321"/>
           </a:xfrm>
           <a:prstGeom prst="rect">
             <a:avLst/>
@@ -6190,10 +6747,10 @@
       </p:pic>
       <p:pic>
         <p:nvPicPr>
-          <p:cNvPr id="8" name="그림 7">
-            <a:extLst>
-              <a:ext uri="{FF2B5EF4-FFF2-40B4-BE49-F238E27FC236}">
-                <a16:creationId xmlns:a16="http://schemas.microsoft.com/office/drawing/2014/main" id="{A61B7011-2E17-1182-008C-BCD221598274}"/>
+          <p:cNvPr id="11" name="그림 10">
+            <a:extLst>
+              <a:ext uri="{FF2B5EF4-FFF2-40B4-BE49-F238E27FC236}">
+                <a16:creationId xmlns:a16="http://schemas.microsoft.com/office/drawing/2014/main" id="{43B5DCA3-6CB2-35CF-59E8-438016155EFB}"/>
               </a:ext>
             </a:extLst>
           </p:cNvPr>
@@ -6210,103 +6767,14 @@
         </p:blipFill>
         <p:spPr>
           <a:xfrm>
-            <a:off x="3112445" y="4983406"/>
-            <a:ext cx="5967105" cy="1430317"/>
+            <a:off x="2241283" y="4862130"/>
+            <a:ext cx="7340593" cy="1552817"/>
           </a:xfrm>
           <a:prstGeom prst="rect">
             <a:avLst/>
           </a:prstGeom>
         </p:spPr>
       </p:pic>
-      <p:sp>
-        <p:nvSpPr>
-          <p:cNvPr id="9" name="TextBox 8">
-            <a:extLst>
-              <a:ext uri="{FF2B5EF4-FFF2-40B4-BE49-F238E27FC236}">
-                <a16:creationId xmlns:a16="http://schemas.microsoft.com/office/drawing/2014/main" id="{3559D81A-7E01-E712-3402-71536701EBBC}"/>
-              </a:ext>
-            </a:extLst>
-          </p:cNvPr>
-          <p:cNvSpPr txBox="1"/>
-          <p:nvPr/>
-        </p:nvSpPr>
-        <p:spPr>
-          <a:xfrm>
-            <a:off x="463136" y="493166"/>
-            <a:ext cx="1415772" cy="584775"/>
-          </a:xfrm>
-          <a:prstGeom prst="rect">
-            <a:avLst/>
-          </a:prstGeom>
-          <a:noFill/>
-        </p:spPr>
-        <p:txBody>
-          <a:bodyPr wrap="none" rtlCol="0">
-            <a:spAutoFit/>
-          </a:bodyPr>
-          <a:lstStyle/>
-          <a:p>
-            <a:r>
-              <a:rPr lang="ko-KR" altLang="en-US" sz="3200" b="1" dirty="0" err="1">
-                <a:solidFill>
-                  <a:schemeClr val="accent1">
-                    <a:lumMod val="50000"/>
-                  </a:schemeClr>
-                </a:solidFill>
-              </a:rPr>
-              <a:t>실행문</a:t>
-            </a:r>
-            <a:endParaRPr lang="ko-KR" altLang="en-US" sz="3200" b="1" dirty="0">
-              <a:solidFill>
-                <a:schemeClr val="accent1">
-                  <a:lumMod val="50000"/>
-                </a:schemeClr>
-              </a:solidFill>
-            </a:endParaRPr>
-          </a:p>
-        </p:txBody>
-      </p:sp>
-      <p:sp>
-        <p:nvSpPr>
-          <p:cNvPr id="10" name="TextBox 9">
-            <a:extLst>
-              <a:ext uri="{FF2B5EF4-FFF2-40B4-BE49-F238E27FC236}">
-                <a16:creationId xmlns:a16="http://schemas.microsoft.com/office/drawing/2014/main" id="{2AD57C00-BAD9-0744-52FD-641C7FD4B00E}"/>
-              </a:ext>
-            </a:extLst>
-          </p:cNvPr>
-          <p:cNvSpPr txBox="1"/>
-          <p:nvPr/>
-        </p:nvSpPr>
-        <p:spPr>
-          <a:xfrm>
-            <a:off x="505868" y="4821402"/>
-            <a:ext cx="1005403" cy="584775"/>
-          </a:xfrm>
-          <a:prstGeom prst="rect">
-            <a:avLst/>
-          </a:prstGeom>
-          <a:noFill/>
-        </p:spPr>
-        <p:txBody>
-          <a:bodyPr wrap="none" rtlCol="0">
-            <a:spAutoFit/>
-          </a:bodyPr>
-          <a:lstStyle/>
-          <a:p>
-            <a:r>
-              <a:rPr lang="ko-KR" altLang="en-US" sz="3200" b="1" dirty="0">
-                <a:solidFill>
-                  <a:schemeClr val="accent1">
-                    <a:lumMod val="50000"/>
-                  </a:schemeClr>
-                </a:solidFill>
-              </a:rPr>
-              <a:t>결과</a:t>
-            </a:r>
-          </a:p>
-        </p:txBody>
-      </p:sp>
     </p:spTree>
     <p:extLst>
       <p:ext uri="{BB962C8B-B14F-4D97-AF65-F5344CB8AC3E}">
@@ -6320,7 +6788,7 @@
 </p:sld>
 </file>
 
-<file path=ppt/slides/slide7.xml><?xml version="1.0" encoding="utf-8"?>
+<file path=ppt/slides/slide8.xml><?xml version="1.0" encoding="utf-8"?>
 <p:sld xmlns:a="http://schemas.openxmlformats.org/drawingml/2006/main" xmlns:r="http://schemas.openxmlformats.org/officeDocument/2006/relationships" xmlns:p="http://schemas.openxmlformats.org/presentationml/2006/main">
   <p:cSld>
     <p:spTree>
@@ -6451,12 +6919,60 @@
           </a:p>
         </p:txBody>
       </p:sp>
+      <p:sp>
+        <p:nvSpPr>
+          <p:cNvPr id="8" name="TextBox 7">
+            <a:extLst>
+              <a:ext uri="{FF2B5EF4-FFF2-40B4-BE49-F238E27FC236}">
+                <a16:creationId xmlns:a16="http://schemas.microsoft.com/office/drawing/2014/main" id="{5AA66F1E-A46B-6C8A-CB0C-2509710A855A}"/>
+              </a:ext>
+            </a:extLst>
+          </p:cNvPr>
+          <p:cNvSpPr txBox="1"/>
+          <p:nvPr/>
+        </p:nvSpPr>
+        <p:spPr>
+          <a:xfrm>
+            <a:off x="463136" y="493166"/>
+            <a:ext cx="5649303" cy="584775"/>
+          </a:xfrm>
+          <a:prstGeom prst="rect">
+            <a:avLst/>
+          </a:prstGeom>
+          <a:noFill/>
+        </p:spPr>
+        <p:txBody>
+          <a:bodyPr wrap="none" rtlCol="0">
+            <a:spAutoFit/>
+          </a:bodyPr>
+          <a:lstStyle/>
+          <a:p>
+            <a:r>
+              <a:rPr lang="en-US" altLang="ko-KR" sz="3200" b="1" dirty="0">
+                <a:solidFill>
+                  <a:schemeClr val="accent1">
+                    <a:lumMod val="50000"/>
+                  </a:schemeClr>
+                </a:solidFill>
+              </a:rPr>
+              <a:t>Entity Relationship Diagram</a:t>
+            </a:r>
+            <a:endParaRPr lang="ko-KR" altLang="en-US" sz="3200" b="1" dirty="0">
+              <a:solidFill>
+                <a:schemeClr val="accent1">
+                  <a:lumMod val="50000"/>
+                </a:schemeClr>
+              </a:solidFill>
+            </a:endParaRPr>
+          </a:p>
+        </p:txBody>
+      </p:sp>
       <p:pic>
         <p:nvPicPr>
-          <p:cNvPr id="5" name="그림 4">
-            <a:extLst>
-              <a:ext uri="{FF2B5EF4-FFF2-40B4-BE49-F238E27FC236}">
-                <a16:creationId xmlns:a16="http://schemas.microsoft.com/office/drawing/2014/main" id="{0411E9B2-2247-AA37-58D7-3C50E26F1E38}"/>
+          <p:cNvPr id="6" name="그림 5">
+            <a:extLst>
+              <a:ext uri="{FF2B5EF4-FFF2-40B4-BE49-F238E27FC236}">
+                <a16:creationId xmlns:a16="http://schemas.microsoft.com/office/drawing/2014/main" id="{377B0794-FDCD-E465-38AD-A76C8232AF72}"/>
               </a:ext>
             </a:extLst>
           </p:cNvPr>
@@ -6473,62 +6989,14 @@
         </p:blipFill>
         <p:spPr>
           <a:xfrm>
-            <a:off x="3177307" y="1020563"/>
-            <a:ext cx="5096586" cy="5344271"/>
+            <a:off x="2136035" y="1309703"/>
+            <a:ext cx="7262315" cy="4972004"/>
           </a:xfrm>
           <a:prstGeom prst="rect">
             <a:avLst/>
           </a:prstGeom>
         </p:spPr>
       </p:pic>
-      <p:sp>
-        <p:nvSpPr>
-          <p:cNvPr id="8" name="TextBox 7">
-            <a:extLst>
-              <a:ext uri="{FF2B5EF4-FFF2-40B4-BE49-F238E27FC236}">
-                <a16:creationId xmlns:a16="http://schemas.microsoft.com/office/drawing/2014/main" id="{5AA66F1E-A46B-6C8A-CB0C-2509710A855A}"/>
-              </a:ext>
-            </a:extLst>
-          </p:cNvPr>
-          <p:cNvSpPr txBox="1"/>
-          <p:nvPr/>
-        </p:nvSpPr>
-        <p:spPr>
-          <a:xfrm>
-            <a:off x="463136" y="493166"/>
-            <a:ext cx="5649303" cy="584775"/>
-          </a:xfrm>
-          <a:prstGeom prst="rect">
-            <a:avLst/>
-          </a:prstGeom>
-          <a:noFill/>
-        </p:spPr>
-        <p:txBody>
-          <a:bodyPr wrap="none" rtlCol="0">
-            <a:spAutoFit/>
-          </a:bodyPr>
-          <a:lstStyle/>
-          <a:p>
-            <a:r>
-              <a:rPr lang="en-US" altLang="ko-KR" sz="3200" b="1" dirty="0">
-                <a:solidFill>
-                  <a:schemeClr val="accent1">
-                    <a:lumMod val="50000"/>
-                  </a:schemeClr>
-                </a:solidFill>
-              </a:rPr>
-              <a:t>Entity Relationship Diagram</a:t>
-            </a:r>
-            <a:endParaRPr lang="ko-KR" altLang="en-US" sz="3200" b="1" dirty="0">
-              <a:solidFill>
-                <a:schemeClr val="accent1">
-                  <a:lumMod val="50000"/>
-                </a:schemeClr>
-              </a:solidFill>
-            </a:endParaRPr>
-          </a:p>
-        </p:txBody>
-      </p:sp>
     </p:spTree>
     <p:extLst>
       <p:ext uri="{BB962C8B-B14F-4D97-AF65-F5344CB8AC3E}">
